--- a/Präsentation_Kursprojekt_Team8.pptx
+++ b/Präsentation_Kursprojekt_Team8.pptx
@@ -7546,10 +7546,17 @@
           <a:lstStyle/>
           <a:p>
             <a:r>
-              <a:rPr lang="de-DE"/>
-              <a:t>Data Science Team 8 | Präsentation Kursprojekt | Sophie Teichmann, Anna Zweighardt, Peer, Christoph Owsianski | 19.01.2021</a:t>
-            </a:r>
-            <a:endParaRPr lang="de-DE" dirty="0"/>
+              <a:rPr lang="de-DE" dirty="0"/>
+              <a:t>Data Science Team 8 | Präsentation Kursprojekt | Sophie Teichmann, Anna Zweighardt, Peer Schneidersmann, Christoph </a:t>
+            </a:r>
+            <a:r>
+              <a:rPr lang="de-DE" dirty="0" err="1"/>
+              <a:t>Owsianski</a:t>
+            </a:r>
+            <a:r>
+              <a:rPr lang="de-DE" dirty="0"/>
+              <a:t> | 19.01.2021</a:t>
+            </a:r>
           </a:p>
         </p:txBody>
       </p:sp>
@@ -7668,10 +7675,17 @@
           <a:lstStyle/>
           <a:p>
             <a:r>
-              <a:rPr lang="de-DE"/>
-              <a:t>Data Science Team 8 | Präsentation Kursprojekt | Sophie Teichmann, Anna Zweighardt, Peer, Christoph Owsianski | 19.01.2021</a:t>
-            </a:r>
-            <a:endParaRPr lang="de-DE" dirty="0"/>
+              <a:rPr lang="de-DE" dirty="0"/>
+              <a:t>Data Science Team 8 | Präsentation Kursprojekt | Sophie Teichmann, Anna Zweighardt, Peer Schneidersmann, Christoph </a:t>
+            </a:r>
+            <a:r>
+              <a:rPr lang="de-DE" dirty="0" err="1"/>
+              <a:t>Owsianski</a:t>
+            </a:r>
+            <a:r>
+              <a:rPr lang="de-DE" dirty="0"/>
+              <a:t> | 19.01.2021</a:t>
+            </a:r>
           </a:p>
         </p:txBody>
       </p:sp>
@@ -7701,6 +7715,157 @@
               <a:pPr/>
               <a:t>3</a:t>
             </a:fld>
+            <a:endParaRPr lang="de-DE" dirty="0"/>
+          </a:p>
+        </p:txBody>
+      </p:sp>
+      <p:sp>
+        <p:nvSpPr>
+          <p:cNvPr id="3" name="Textfeld 2">
+            <a:extLst>
+              <a:ext uri="{FF2B5EF4-FFF2-40B4-BE49-F238E27FC236}">
+                <a16:creationId xmlns:a16="http://schemas.microsoft.com/office/drawing/2014/main" id="{1C27FCD6-BB43-4C14-A695-115039D0C995}"/>
+              </a:ext>
+            </a:extLst>
+          </p:cNvPr>
+          <p:cNvSpPr txBox="1"/>
+          <p:nvPr/>
+        </p:nvSpPr>
+        <p:spPr>
+          <a:xfrm>
+            <a:off x="1578490" y="2522511"/>
+            <a:ext cx="4937760" cy="1569660"/>
+          </a:xfrm>
+          <a:prstGeom prst="rect">
+            <a:avLst/>
+          </a:prstGeom>
+          <a:noFill/>
+        </p:spPr>
+        <p:txBody>
+          <a:bodyPr wrap="square" rtlCol="0">
+            <a:spAutoFit/>
+          </a:bodyPr>
+          <a:lstStyle/>
+          <a:p>
+            <a:pPr marL="342900" indent="-342900">
+              <a:buFont typeface="Wingdings" panose="05000000000000000000" pitchFamily="2" charset="2"/>
+              <a:buChar char="§"/>
+            </a:pPr>
+            <a:r>
+              <a:rPr lang="de-DE" sz="2400" dirty="0"/>
+              <a:t>Anna </a:t>
+            </a:r>
+            <a:r>
+              <a:rPr lang="de-DE" sz="2400" dirty="0" err="1"/>
+              <a:t>Zweigardt</a:t>
+            </a:r>
+            <a:endParaRPr lang="de-DE" sz="2400" dirty="0"/>
+          </a:p>
+          <a:p>
+            <a:pPr marL="800100" lvl="1" indent="-342900">
+              <a:buFont typeface="Wingdings" panose="05000000000000000000" pitchFamily="2" charset="2"/>
+              <a:buChar char="§"/>
+            </a:pPr>
+            <a:r>
+              <a:rPr lang="de-DE" sz="2400" i="1" dirty="0"/>
+              <a:t>Informatik B.Sc.</a:t>
+            </a:r>
+          </a:p>
+          <a:p>
+            <a:pPr marL="342900" indent="-342900">
+              <a:buFont typeface="Wingdings" panose="05000000000000000000" pitchFamily="2" charset="2"/>
+              <a:buChar char="§"/>
+            </a:pPr>
+            <a:r>
+              <a:rPr lang="de-DE" sz="2400" dirty="0"/>
+              <a:t>Sophie Teichmann</a:t>
+            </a:r>
+          </a:p>
+          <a:p>
+            <a:pPr marL="800100" lvl="1" indent="-342900">
+              <a:buFont typeface="Wingdings" panose="05000000000000000000" pitchFamily="2" charset="2"/>
+              <a:buChar char="§"/>
+            </a:pPr>
+            <a:r>
+              <a:rPr lang="de-DE" sz="2400" i="1" dirty="0"/>
+              <a:t>Physik B.Sc.</a:t>
+            </a:r>
+          </a:p>
+        </p:txBody>
+      </p:sp>
+      <p:sp>
+        <p:nvSpPr>
+          <p:cNvPr id="4" name="Textfeld 3">
+            <a:extLst>
+              <a:ext uri="{FF2B5EF4-FFF2-40B4-BE49-F238E27FC236}">
+                <a16:creationId xmlns:a16="http://schemas.microsoft.com/office/drawing/2014/main" id="{29C4E526-30FE-44EE-865A-D65183D419B0}"/>
+              </a:ext>
+            </a:extLst>
+          </p:cNvPr>
+          <p:cNvSpPr txBox="1"/>
+          <p:nvPr/>
+        </p:nvSpPr>
+        <p:spPr>
+          <a:xfrm>
+            <a:off x="6516250" y="2505670"/>
+            <a:ext cx="4937760" cy="1846659"/>
+          </a:xfrm>
+          <a:prstGeom prst="rect">
+            <a:avLst/>
+          </a:prstGeom>
+          <a:noFill/>
+        </p:spPr>
+        <p:txBody>
+          <a:bodyPr wrap="square" rtlCol="0">
+            <a:spAutoFit/>
+          </a:bodyPr>
+          <a:lstStyle/>
+          <a:p>
+            <a:pPr marL="342900" indent="-342900">
+              <a:buFont typeface="Wingdings" panose="05000000000000000000" pitchFamily="2" charset="2"/>
+              <a:buChar char="§"/>
+            </a:pPr>
+            <a:r>
+              <a:rPr lang="de-DE" sz="2400" dirty="0"/>
+              <a:t>Christoph </a:t>
+            </a:r>
+            <a:r>
+              <a:rPr lang="de-DE" sz="2400" dirty="0" err="1"/>
+              <a:t>Owsianski</a:t>
+            </a:r>
+            <a:endParaRPr lang="de-DE" sz="2400" dirty="0"/>
+          </a:p>
+          <a:p>
+            <a:pPr marL="800100" lvl="1" indent="-342900">
+              <a:buFont typeface="Wingdings" panose="05000000000000000000" pitchFamily="2" charset="2"/>
+              <a:buChar char="§"/>
+            </a:pPr>
+            <a:r>
+              <a:rPr lang="de-DE" sz="2400" i="1" dirty="0"/>
+              <a:t>Ingenieur Maschinenbaum</a:t>
+            </a:r>
+          </a:p>
+          <a:p>
+            <a:pPr marL="342900" indent="-342900">
+              <a:buFont typeface="Wingdings" panose="05000000000000000000" pitchFamily="2" charset="2"/>
+              <a:buChar char="§"/>
+            </a:pPr>
+            <a:r>
+              <a:rPr lang="de-DE" sz="2400" dirty="0"/>
+              <a:t>Peer Schneidersmann</a:t>
+            </a:r>
+          </a:p>
+          <a:p>
+            <a:pPr marL="800100" lvl="1" indent="-342900">
+              <a:buFont typeface="Wingdings" panose="05000000000000000000" pitchFamily="2" charset="2"/>
+              <a:buChar char="§"/>
+            </a:pPr>
+            <a:r>
+              <a:rPr lang="de-DE" sz="2400" i="1" dirty="0"/>
+              <a:t>VWL B.Sc.</a:t>
+            </a:r>
+          </a:p>
+          <a:p>
             <a:endParaRPr lang="de-DE" dirty="0"/>
           </a:p>
         </p:txBody>
@@ -7790,10 +7955,17 @@
           <a:lstStyle/>
           <a:p>
             <a:r>
-              <a:rPr lang="de-DE"/>
-              <a:t>Data Science Team 8 | Präsentation Kursprojekt | Sophie Teichmann, Anna Zweighardt, Peer, Christoph Owsianski | 19.01.2021</a:t>
-            </a:r>
-            <a:endParaRPr lang="de-DE" dirty="0"/>
+              <a:rPr lang="de-DE" dirty="0"/>
+              <a:t>Data Science Team 8 | Präsentation Kursprojekt | Sophie Teichmann, Anna Zweighardt, Peer Schneidersmann, Christoph </a:t>
+            </a:r>
+            <a:r>
+              <a:rPr lang="de-DE" dirty="0" err="1"/>
+              <a:t>Owsianski</a:t>
+            </a:r>
+            <a:r>
+              <a:rPr lang="de-DE" dirty="0"/>
+              <a:t> | 19.01.2021</a:t>
+            </a:r>
           </a:p>
         </p:txBody>
       </p:sp>
@@ -8297,10 +8469,17 @@
           <a:lstStyle/>
           <a:p>
             <a:r>
-              <a:rPr lang="de-DE"/>
-              <a:t>Data Science Team 8 | Präsentation Kursprojekt | Sophie Teichmann, Anna Zweighardt, Peer, Christoph Owsianski | 19.01.2021</a:t>
-            </a:r>
-            <a:endParaRPr lang="de-DE" dirty="0"/>
+              <a:rPr lang="de-DE" dirty="0"/>
+              <a:t>Data Science Team 8 | Präsentation Kursprojekt | Sophie Teichmann, Anna Zweighardt, Peer Schneidersmann, Christoph </a:t>
+            </a:r>
+            <a:r>
+              <a:rPr lang="de-DE" dirty="0" err="1"/>
+              <a:t>Owsianski</a:t>
+            </a:r>
+            <a:r>
+              <a:rPr lang="de-DE" dirty="0"/>
+              <a:t> | 19.01.2021</a:t>
+            </a:r>
           </a:p>
         </p:txBody>
       </p:sp>
@@ -8427,10 +8606,17 @@
           <a:lstStyle/>
           <a:p>
             <a:r>
-              <a:rPr lang="de-DE"/>
-              <a:t>Data Science Team 8 | Präsentation Kursprojekt | Sophie Teichmann, Anna Zweighardt, Peer, Christoph Owsianski | 19.01.2021</a:t>
-            </a:r>
-            <a:endParaRPr lang="de-DE" dirty="0"/>
+              <a:rPr lang="de-DE" dirty="0"/>
+              <a:t>Data Science Team 8 | Präsentation Kursprojekt | Sophie Teichmann, Anna Zweighardt, Peer Schneidersmann, Christoph </a:t>
+            </a:r>
+            <a:r>
+              <a:rPr lang="de-DE" dirty="0" err="1"/>
+              <a:t>Owsianski</a:t>
+            </a:r>
+            <a:r>
+              <a:rPr lang="de-DE" dirty="0"/>
+              <a:t> | 19.01.2021</a:t>
+            </a:r>
           </a:p>
         </p:txBody>
       </p:sp>
@@ -8552,10 +8738,17 @@
           <a:lstStyle/>
           <a:p>
             <a:r>
-              <a:rPr lang="de-DE"/>
-              <a:t>Data Science Team 8 | Präsentation Kursprojekt | Sophie Teichmann, Anna Zweighardt, Peer, Christoph Owsianski | 19.01.2021</a:t>
-            </a:r>
-            <a:endParaRPr lang="de-DE" dirty="0"/>
+              <a:rPr lang="de-DE" dirty="0"/>
+              <a:t>Data Science Team 8 | Präsentation Kursprojekt | Sophie Teichmann, Anna Zweighardt, Peer Schneidersmann, Christoph </a:t>
+            </a:r>
+            <a:r>
+              <a:rPr lang="de-DE" dirty="0" err="1"/>
+              <a:t>Owsianski</a:t>
+            </a:r>
+            <a:r>
+              <a:rPr lang="de-DE" dirty="0"/>
+              <a:t> | 19.01.2021</a:t>
+            </a:r>
           </a:p>
         </p:txBody>
       </p:sp>

--- a/Präsentation_Kursprojekt_Team8.pptx
+++ b/Präsentation_Kursprojekt_Team8.pptx
@@ -5,7 +5,7 @@
     <p:sldMasterId id="2147483648" r:id="rId1"/>
   </p:sldMasterIdLst>
   <p:notesMasterIdLst>
-    <p:notesMasterId r:id="rId9"/>
+    <p:notesMasterId r:id="rId10"/>
   </p:notesMasterIdLst>
   <p:sldIdLst>
     <p:sldId id="256" r:id="rId2"/>
@@ -13,8 +13,9 @@
     <p:sldId id="258" r:id="rId4"/>
     <p:sldId id="259" r:id="rId5"/>
     <p:sldId id="260" r:id="rId6"/>
-    <p:sldId id="261" r:id="rId7"/>
-    <p:sldId id="262" r:id="rId8"/>
+    <p:sldId id="263" r:id="rId7"/>
+    <p:sldId id="261" r:id="rId8"/>
+    <p:sldId id="262" r:id="rId9"/>
   </p:sldIdLst>
   <p:sldSz cx="12192000" cy="6858000"/>
   <p:notesSz cx="6858000" cy="9144000"/>
@@ -7842,7 +7843,7 @@
             </a:pPr>
             <a:r>
               <a:rPr lang="de-DE" sz="2400" i="1" dirty="0"/>
-              <a:t>Ingenieur Maschinenbaum</a:t>
+              <a:t>Ingenieur Maschinenbau</a:t>
             </a:r>
           </a:p>
           <a:p>
@@ -8513,6 +8514,42 @@
           </a:p>
         </p:txBody>
       </p:sp>
+      <p:pic>
+        <p:nvPicPr>
+          <p:cNvPr id="6" name="Grafik 5">
+            <a:extLst>
+              <a:ext uri="{FF2B5EF4-FFF2-40B4-BE49-F238E27FC236}">
+                <a16:creationId xmlns:a16="http://schemas.microsoft.com/office/drawing/2014/main" id="{CC1F7137-3859-4D69-A167-B18AB9465E4E}"/>
+              </a:ext>
+            </a:extLst>
+          </p:cNvPr>
+          <p:cNvPicPr>
+            <a:picLocks noChangeAspect="1"/>
+          </p:cNvPicPr>
+          <p:nvPr/>
+        </p:nvPicPr>
+        <p:blipFill>
+          <a:blip r:embed="rId2">
+            <a:extLst>
+              <a:ext uri="{28A0092B-C50C-407E-A947-70E740481C1C}">
+                <a14:useLocalDpi xmlns:a14="http://schemas.microsoft.com/office/drawing/2010/main" val="0"/>
+              </a:ext>
+            </a:extLst>
+          </a:blip>
+          <a:stretch>
+            <a:fillRect/>
+          </a:stretch>
+        </p:blipFill>
+        <p:spPr>
+          <a:xfrm>
+            <a:off x="2048933" y="1690688"/>
+            <a:ext cx="8094133" cy="4306604"/>
+          </a:xfrm>
+          <a:prstGeom prst="rect">
+            <a:avLst/>
+          </a:prstGeom>
+        </p:spPr>
+      </p:pic>
     </p:spTree>
     <p:extLst>
       <p:ext uri="{BB962C8B-B14F-4D97-AF65-F5344CB8AC3E}">
@@ -8571,15 +8608,7 @@
           <a:p>
             <a:r>
               <a:rPr lang="de-DE" dirty="0"/>
-              <a:t>4	Optimierung |Support Vector </a:t>
-            </a:r>
-            <a:r>
-              <a:rPr lang="de-DE" dirty="0" err="1"/>
-              <a:t>Machine</a:t>
-            </a:r>
-            <a:r>
-              <a:rPr lang="de-DE" dirty="0"/>
-              <a:t>	</a:t>
+              <a:t>3	Balkendiagramme</a:t>
             </a:r>
           </a:p>
         </p:txBody>
@@ -8589,7 +8618,7 @@
           <p:cNvPr id="3" name="Fußzeilenplatzhalter 2">
             <a:extLst>
               <a:ext uri="{FF2B5EF4-FFF2-40B4-BE49-F238E27FC236}">
-                <a16:creationId xmlns:a16="http://schemas.microsoft.com/office/drawing/2014/main" id="{841C0EDD-24C7-4A8A-B3FB-F59A9FDF75F0}"/>
+                <a16:creationId xmlns:a16="http://schemas.microsoft.com/office/drawing/2014/main" id="{A68F92BD-22DF-422B-9C3D-FCDFB7DF306F}"/>
               </a:ext>
             </a:extLst>
           </p:cNvPr>
@@ -8625,7 +8654,7 @@
           <p:cNvPr id="4" name="Foliennummernplatzhalter 3">
             <a:extLst>
               <a:ext uri="{FF2B5EF4-FFF2-40B4-BE49-F238E27FC236}">
-                <a16:creationId xmlns:a16="http://schemas.microsoft.com/office/drawing/2014/main" id="{DAF74F97-7980-4C3E-8CF0-923CFE8F4420}"/>
+                <a16:creationId xmlns:a16="http://schemas.microsoft.com/office/drawing/2014/main" id="{130002CB-D24E-4694-B0E5-78A438916E70}"/>
               </a:ext>
             </a:extLst>
           </p:cNvPr>
@@ -8650,10 +8679,46 @@
           </a:p>
         </p:txBody>
       </p:sp>
+      <p:pic>
+        <p:nvPicPr>
+          <p:cNvPr id="7" name="Grafik 6">
+            <a:extLst>
+              <a:ext uri="{FF2B5EF4-FFF2-40B4-BE49-F238E27FC236}">
+                <a16:creationId xmlns:a16="http://schemas.microsoft.com/office/drawing/2014/main" id="{E0A76266-DB6A-4026-82CE-CC304CA9608B}"/>
+              </a:ext>
+            </a:extLst>
+          </p:cNvPr>
+          <p:cNvPicPr>
+            <a:picLocks noChangeAspect="1"/>
+          </p:cNvPicPr>
+          <p:nvPr/>
+        </p:nvPicPr>
+        <p:blipFill>
+          <a:blip r:embed="rId2">
+            <a:extLst>
+              <a:ext uri="{28A0092B-C50C-407E-A947-70E740481C1C}">
+                <a14:useLocalDpi xmlns:a14="http://schemas.microsoft.com/office/drawing/2010/main" val="0"/>
+              </a:ext>
+            </a:extLst>
+          </a:blip>
+          <a:stretch>
+            <a:fillRect/>
+          </a:stretch>
+        </p:blipFill>
+        <p:spPr>
+          <a:xfrm>
+            <a:off x="2086015" y="1618883"/>
+            <a:ext cx="8019970" cy="4267144"/>
+          </a:xfrm>
+          <a:prstGeom prst="rect">
+            <a:avLst/>
+          </a:prstGeom>
+        </p:spPr>
+      </p:pic>
     </p:spTree>
     <p:extLst>
       <p:ext uri="{BB962C8B-B14F-4D97-AF65-F5344CB8AC3E}">
-        <p14:creationId xmlns:p14="http://schemas.microsoft.com/office/powerpoint/2010/main" val="173201154"/>
+        <p14:creationId xmlns:p14="http://schemas.microsoft.com/office/powerpoint/2010/main" val="3887615641"/>
       </p:ext>
     </p:extLst>
   </p:cSld>
@@ -8706,12 +8771,17 @@
           <a:bodyPr/>
           <a:lstStyle/>
           <a:p>
-            <a:pPr lvl="0">
-              <a:buNone/>
-            </a:pPr>
             <a:r>
               <a:rPr lang="de-DE" dirty="0"/>
-              <a:t>5	Optimierung | Neuronales Netz</a:t>
+              <a:t>4	Optimierung |Support Vector </a:t>
+            </a:r>
+            <a:r>
+              <a:rPr lang="de-DE" dirty="0" err="1"/>
+              <a:t>Machine</a:t>
+            </a:r>
+            <a:r>
+              <a:rPr lang="de-DE" dirty="0"/>
+              <a:t>	</a:t>
             </a:r>
           </a:p>
         </p:txBody>
@@ -8721,7 +8791,7 @@
           <p:cNvPr id="3" name="Fußzeilenplatzhalter 2">
             <a:extLst>
               <a:ext uri="{FF2B5EF4-FFF2-40B4-BE49-F238E27FC236}">
-                <a16:creationId xmlns:a16="http://schemas.microsoft.com/office/drawing/2014/main" id="{041FA501-E9A2-4259-97D7-1C1BC761A21D}"/>
+                <a16:creationId xmlns:a16="http://schemas.microsoft.com/office/drawing/2014/main" id="{841C0EDD-24C7-4A8A-B3FB-F59A9FDF75F0}"/>
               </a:ext>
             </a:extLst>
           </p:cNvPr>
@@ -8757,7 +8827,7 @@
           <p:cNvPr id="4" name="Foliennummernplatzhalter 3">
             <a:extLst>
               <a:ext uri="{FF2B5EF4-FFF2-40B4-BE49-F238E27FC236}">
-                <a16:creationId xmlns:a16="http://schemas.microsoft.com/office/drawing/2014/main" id="{2D8BB87E-9619-4AD6-A71A-B86E65D6B08F}"/>
+                <a16:creationId xmlns:a16="http://schemas.microsoft.com/office/drawing/2014/main" id="{DAF74F97-7980-4C3E-8CF0-923CFE8F4420}"/>
               </a:ext>
             </a:extLst>
           </p:cNvPr>
@@ -8777,6 +8847,138 @@
               <a:rPr lang="de-DE" smtClean="0"/>
               <a:pPr/>
               <a:t>7</a:t>
+            </a:fld>
+            <a:endParaRPr lang="de-DE" dirty="0"/>
+          </a:p>
+        </p:txBody>
+      </p:sp>
+    </p:spTree>
+    <p:extLst>
+      <p:ext uri="{BB962C8B-B14F-4D97-AF65-F5344CB8AC3E}">
+        <p14:creationId xmlns:p14="http://schemas.microsoft.com/office/powerpoint/2010/main" val="173201154"/>
+      </p:ext>
+    </p:extLst>
+  </p:cSld>
+  <p:clrMapOvr>
+    <a:masterClrMapping/>
+  </p:clrMapOvr>
+</p:sld>
+</file>
+
+<file path=ppt/slides/slide8.xml><?xml version="1.0" encoding="utf-8"?>
+<p:sld xmlns:a="http://schemas.openxmlformats.org/drawingml/2006/main" xmlns:r="http://schemas.openxmlformats.org/officeDocument/2006/relationships" xmlns:p="http://schemas.openxmlformats.org/presentationml/2006/main">
+  <p:cSld>
+    <p:spTree>
+      <p:nvGrpSpPr>
+        <p:cNvPr id="1" name=""/>
+        <p:cNvGrpSpPr/>
+        <p:nvPr/>
+      </p:nvGrpSpPr>
+      <p:grpSpPr>
+        <a:xfrm>
+          <a:off x="0" y="0"/>
+          <a:ext cx="0" cy="0"/>
+          <a:chOff x="0" y="0"/>
+          <a:chExt cx="0" cy="0"/>
+        </a:xfrm>
+      </p:grpSpPr>
+      <p:sp>
+        <p:nvSpPr>
+          <p:cNvPr id="2" name="Titel 1">
+            <a:extLst>
+              <a:ext uri="{FF2B5EF4-FFF2-40B4-BE49-F238E27FC236}">
+                <a16:creationId xmlns:a16="http://schemas.microsoft.com/office/drawing/2014/main" id="{8530C380-9CD9-46F5-9EC7-ED3C946537A0}"/>
+              </a:ext>
+            </a:extLst>
+          </p:cNvPr>
+          <p:cNvSpPr>
+            <a:spLocks noGrp="1"/>
+          </p:cNvSpPr>
+          <p:nvPr>
+            <p:ph type="title"/>
+          </p:nvPr>
+        </p:nvSpPr>
+        <p:spPr>
+          <a:xfrm>
+            <a:off x="819538" y="365125"/>
+            <a:ext cx="10515600" cy="1325563"/>
+          </a:xfrm>
+        </p:spPr>
+        <p:txBody>
+          <a:bodyPr/>
+          <a:lstStyle/>
+          <a:p>
+            <a:pPr lvl="0">
+              <a:buNone/>
+            </a:pPr>
+            <a:r>
+              <a:rPr lang="de-DE" dirty="0"/>
+              <a:t>5	Optimierung | Neuronales Netz</a:t>
+            </a:r>
+          </a:p>
+        </p:txBody>
+      </p:sp>
+      <p:sp>
+        <p:nvSpPr>
+          <p:cNvPr id="3" name="Fußzeilenplatzhalter 2">
+            <a:extLst>
+              <a:ext uri="{FF2B5EF4-FFF2-40B4-BE49-F238E27FC236}">
+                <a16:creationId xmlns:a16="http://schemas.microsoft.com/office/drawing/2014/main" id="{041FA501-E9A2-4259-97D7-1C1BC761A21D}"/>
+              </a:ext>
+            </a:extLst>
+          </p:cNvPr>
+          <p:cNvSpPr>
+            <a:spLocks noGrp="1"/>
+          </p:cNvSpPr>
+          <p:nvPr>
+            <p:ph type="ftr" sz="quarter" idx="11"/>
+          </p:nvPr>
+        </p:nvSpPr>
+        <p:spPr/>
+        <p:txBody>
+          <a:bodyPr/>
+          <a:lstStyle/>
+          <a:p>
+            <a:r>
+              <a:rPr lang="de-DE" dirty="0"/>
+              <a:t>Data Science Team 8 | Präsentation Kursprojekt | Sophie Teichmann, Anna Zweighardt, Peer Schneidersmann, Christoph </a:t>
+            </a:r>
+            <a:r>
+              <a:rPr lang="de-DE" dirty="0" err="1"/>
+              <a:t>Owsianski</a:t>
+            </a:r>
+            <a:r>
+              <a:rPr lang="de-DE" dirty="0"/>
+              <a:t> | 19.01.2021</a:t>
+            </a:r>
+          </a:p>
+        </p:txBody>
+      </p:sp>
+      <p:sp>
+        <p:nvSpPr>
+          <p:cNvPr id="4" name="Foliennummernplatzhalter 3">
+            <a:extLst>
+              <a:ext uri="{FF2B5EF4-FFF2-40B4-BE49-F238E27FC236}">
+                <a16:creationId xmlns:a16="http://schemas.microsoft.com/office/drawing/2014/main" id="{2D8BB87E-9619-4AD6-A71A-B86E65D6B08F}"/>
+              </a:ext>
+            </a:extLst>
+          </p:cNvPr>
+          <p:cNvSpPr>
+            <a:spLocks noGrp="1"/>
+          </p:cNvSpPr>
+          <p:nvPr>
+            <p:ph type="sldNum" sz="quarter" idx="12"/>
+          </p:nvPr>
+        </p:nvSpPr>
+        <p:spPr/>
+        <p:txBody>
+          <a:bodyPr/>
+          <a:lstStyle/>
+          <a:p>
+            <a:fld id="{8B6D0B4D-7BF3-41B8-B396-044D604606C6}" type="slidenum">
+              <a:rPr lang="de-DE" smtClean="0"/>
+              <a:pPr/>
+              <a:t>8</a:t>
             </a:fld>
             <a:endParaRPr lang="de-DE" dirty="0"/>
           </a:p>
